--- a/C-Genie.pptx
+++ b/C-Genie.pptx
@@ -4297,7 +4297,7 @@
           </a:lstStyle>
           <a:p>
             <a:r>
-              <a:rPr lang="en-US" smtClean="0"/>
+              <a:rPr lang="en-US"/>
               <a:t>Click to edit Master title style</a:t>
             </a:r>
             <a:endParaRPr lang="en-US" dirty="0"/>
@@ -4368,7 +4368,7 @@
           </a:lstStyle>
           <a:p>
             <a:r>
-              <a:rPr lang="en-US" smtClean="0"/>
+              <a:rPr lang="en-US"/>
               <a:t>Click to edit Master subtitle style</a:t>
             </a:r>
             <a:endParaRPr lang="en-US" dirty="0"/>
@@ -4397,7 +4397,7 @@
           <a:p>
             <a:fld id="{48A87A34-81AB-432B-8DAE-1953F412C126}" type="datetimeFigureOut">
               <a:rPr lang="en-US" dirty="0"/>
-              <a:t>3/3/2020</a:t>
+              <a:t>3/4/2020</a:t>
             </a:fld>
             <a:endParaRPr lang="en-US" dirty="0"/>
           </a:p>
@@ -4507,7 +4507,7 @@
           </a:lstStyle>
           <a:p>
             <a:r>
-              <a:rPr lang="en-US" smtClean="0"/>
+              <a:rPr lang="en-US"/>
               <a:t>Click to edit Master title style</a:t>
             </a:r>
             <a:endParaRPr lang="en-US" dirty="0"/>
@@ -4568,7 +4568,7 @@
               <a:buNone/>
             </a:pPr>
             <a:r>
-              <a:rPr lang="en-US" smtClean="0"/>
+              <a:rPr lang="en-US"/>
               <a:t>Click icon to add picture</a:t>
             </a:r>
             <a:endParaRPr lang="en-US" dirty="0"/>
@@ -4636,7 +4636,7 @@
           <a:p>
             <a:pPr lvl="0"/>
             <a:r>
-              <a:rPr lang="en-US" smtClean="0"/>
+              <a:rPr lang="en-US"/>
               <a:t>Click to edit Master text styles</a:t>
             </a:r>
           </a:p>
@@ -4659,7 +4659,7 @@
           <a:p>
             <a:fld id="{48A87A34-81AB-432B-8DAE-1953F412C126}" type="datetimeFigureOut">
               <a:rPr lang="en-US" dirty="0"/>
-              <a:t>3/3/2020</a:t>
+              <a:t>3/4/2020</a:t>
             </a:fld>
             <a:endParaRPr lang="en-US" dirty="0"/>
           </a:p>
@@ -4759,7 +4759,7 @@
           </a:lstStyle>
           <a:p>
             <a:r>
-              <a:rPr lang="en-US" smtClean="0"/>
+              <a:rPr lang="en-US"/>
               <a:t>Click to edit Master title style</a:t>
             </a:r>
             <a:endParaRPr lang="en-US" dirty="0"/>
@@ -4827,7 +4827,7 @@
           <a:p>
             <a:pPr lvl="0"/>
             <a:r>
-              <a:rPr lang="en-US" smtClean="0"/>
+              <a:rPr lang="en-US"/>
               <a:t>Click to edit Master text styles</a:t>
             </a:r>
           </a:p>
@@ -4850,7 +4850,7 @@
           <a:p>
             <a:fld id="{48A87A34-81AB-432B-8DAE-1953F412C126}" type="datetimeFigureOut">
               <a:rPr lang="en-US" dirty="0"/>
-              <a:t>3/3/2020</a:t>
+              <a:t>3/4/2020</a:t>
             </a:fld>
             <a:endParaRPr lang="en-US" dirty="0"/>
           </a:p>
@@ -4950,7 +4950,7 @@
           </a:lstStyle>
           <a:p>
             <a:r>
-              <a:rPr lang="en-US" smtClean="0"/>
+              <a:rPr lang="en-US"/>
               <a:t>Click to edit Master title style</a:t>
             </a:r>
             <a:endParaRPr lang="en-US" dirty="0"/>
@@ -5018,7 +5018,7 @@
           <a:p>
             <a:pPr lvl="0"/>
             <a:r>
-              <a:rPr lang="en-US" smtClean="0"/>
+              <a:rPr lang="en-US"/>
               <a:t>Click to edit Master text styles</a:t>
             </a:r>
           </a:p>
@@ -5085,7 +5085,7 @@
           <a:p>
             <a:pPr lvl="0"/>
             <a:r>
-              <a:rPr lang="en-US" smtClean="0"/>
+              <a:rPr lang="en-US"/>
               <a:t>Click to edit Master text styles</a:t>
             </a:r>
           </a:p>
@@ -5108,7 +5108,7 @@
           <a:p>
             <a:fld id="{48A87A34-81AB-432B-8DAE-1953F412C126}" type="datetimeFigureOut">
               <a:rPr lang="en-US" dirty="0"/>
-              <a:t>3/3/2020</a:t>
+              <a:t>3/4/2020</a:t>
             </a:fld>
             <a:endParaRPr lang="en-US" dirty="0"/>
           </a:p>
@@ -5446,7 +5446,7 @@
           </a:lstStyle>
           <a:p>
             <a:r>
-              <a:rPr lang="en-US" smtClean="0"/>
+              <a:rPr lang="en-US"/>
               <a:t>Click to edit Master title style</a:t>
             </a:r>
             <a:endParaRPr lang="en-US" dirty="0"/>
@@ -5514,7 +5514,7 @@
           <a:p>
             <a:pPr lvl="0"/>
             <a:r>
-              <a:rPr lang="en-US" smtClean="0"/>
+              <a:rPr lang="en-US"/>
               <a:t>Click to edit Master text styles</a:t>
             </a:r>
           </a:p>
@@ -5537,7 +5537,7 @@
           <a:p>
             <a:fld id="{48A87A34-81AB-432B-8DAE-1953F412C126}" type="datetimeFigureOut">
               <a:rPr lang="en-US" dirty="0"/>
-              <a:t>3/3/2020</a:t>
+              <a:t>3/4/2020</a:t>
             </a:fld>
             <a:endParaRPr lang="en-US" dirty="0"/>
           </a:p>
@@ -5631,7 +5631,7 @@
           <a:lstStyle/>
           <a:p>
             <a:r>
-              <a:rPr lang="en-US" smtClean="0"/>
+              <a:rPr lang="en-US"/>
               <a:t>Click to edit Master title style</a:t>
             </a:r>
             <a:endParaRPr lang="en-US" dirty="0"/>
@@ -5706,7 +5706,7 @@
           <a:p>
             <a:pPr lvl="0"/>
             <a:r>
-              <a:rPr lang="en-US" smtClean="0"/>
+              <a:rPr lang="en-US"/>
               <a:t>Click to edit Master text styles</a:t>
             </a:r>
           </a:p>
@@ -5773,7 +5773,7 @@
           <a:p>
             <a:pPr lvl="0"/>
             <a:r>
-              <a:rPr lang="en-US" smtClean="0"/>
+              <a:rPr lang="en-US"/>
               <a:t>Click to edit Master text styles</a:t>
             </a:r>
           </a:p>
@@ -5847,7 +5847,7 @@
           <a:p>
             <a:pPr lvl="0"/>
             <a:r>
-              <a:rPr lang="en-US" smtClean="0"/>
+              <a:rPr lang="en-US"/>
               <a:t>Click to edit Master text styles</a:t>
             </a:r>
           </a:p>
@@ -5914,7 +5914,7 @@
           <a:p>
             <a:pPr lvl="0"/>
             <a:r>
-              <a:rPr lang="en-US" smtClean="0"/>
+              <a:rPr lang="en-US"/>
               <a:t>Click to edit Master text styles</a:t>
             </a:r>
           </a:p>
@@ -5988,7 +5988,7 @@
           <a:p>
             <a:pPr lvl="0"/>
             <a:r>
-              <a:rPr lang="en-US" smtClean="0"/>
+              <a:rPr lang="en-US"/>
               <a:t>Click to edit Master text styles</a:t>
             </a:r>
           </a:p>
@@ -6055,7 +6055,7 @@
           <a:p>
             <a:pPr lvl="0"/>
             <a:r>
-              <a:rPr lang="en-US" smtClean="0"/>
+              <a:rPr lang="en-US"/>
               <a:t>Click to edit Master text styles</a:t>
             </a:r>
           </a:p>
@@ -6078,7 +6078,7 @@
           <a:p>
             <a:fld id="{48A87A34-81AB-432B-8DAE-1953F412C126}" type="datetimeFigureOut">
               <a:rPr lang="en-US" dirty="0"/>
-              <a:t>3/3/2020</a:t>
+              <a:t>3/4/2020</a:t>
             </a:fld>
             <a:endParaRPr lang="en-US" dirty="0"/>
           </a:p>
@@ -6172,7 +6172,7 @@
           <a:lstStyle/>
           <a:p>
             <a:r>
-              <a:rPr lang="en-US" smtClean="0"/>
+              <a:rPr lang="en-US"/>
               <a:t>Click to edit Master title style</a:t>
             </a:r>
             <a:endParaRPr lang="en-US" dirty="0"/>
@@ -6247,7 +6247,7 @@
           <a:p>
             <a:pPr lvl="0"/>
             <a:r>
-              <a:rPr lang="en-US" smtClean="0"/>
+              <a:rPr lang="en-US"/>
               <a:t>Click to edit Master text styles</a:t>
             </a:r>
           </a:p>
@@ -6304,7 +6304,7 @@
               <a:buNone/>
             </a:pPr>
             <a:r>
-              <a:rPr lang="en-US" smtClean="0"/>
+              <a:rPr lang="en-US"/>
               <a:t>Click icon to add picture</a:t>
             </a:r>
             <a:endParaRPr lang="en-US" dirty="0"/>
@@ -6372,7 +6372,7 @@
           <a:p>
             <a:pPr lvl="0"/>
             <a:r>
-              <a:rPr lang="en-US" smtClean="0"/>
+              <a:rPr lang="en-US"/>
               <a:t>Click to edit Master text styles</a:t>
             </a:r>
           </a:p>
@@ -6446,7 +6446,7 @@
           <a:p>
             <a:pPr lvl="0"/>
             <a:r>
-              <a:rPr lang="en-US" smtClean="0"/>
+              <a:rPr lang="en-US"/>
               <a:t>Click to edit Master text styles</a:t>
             </a:r>
           </a:p>
@@ -6503,7 +6503,7 @@
               <a:buNone/>
             </a:pPr>
             <a:r>
-              <a:rPr lang="en-US" smtClean="0"/>
+              <a:rPr lang="en-US"/>
               <a:t>Click icon to add picture</a:t>
             </a:r>
             <a:endParaRPr lang="en-US" dirty="0"/>
@@ -6571,7 +6571,7 @@
           <a:p>
             <a:pPr lvl="0"/>
             <a:r>
-              <a:rPr lang="en-US" smtClean="0"/>
+              <a:rPr lang="en-US"/>
               <a:t>Click to edit Master text styles</a:t>
             </a:r>
           </a:p>
@@ -6645,7 +6645,7 @@
           <a:p>
             <a:pPr lvl="0"/>
             <a:r>
-              <a:rPr lang="en-US" smtClean="0"/>
+              <a:rPr lang="en-US"/>
               <a:t>Click to edit Master text styles</a:t>
             </a:r>
           </a:p>
@@ -6702,7 +6702,7 @@
               <a:buNone/>
             </a:pPr>
             <a:r>
-              <a:rPr lang="en-US" smtClean="0"/>
+              <a:rPr lang="en-US"/>
               <a:t>Click icon to add picture</a:t>
             </a:r>
             <a:endParaRPr lang="en-US" dirty="0"/>
@@ -6770,7 +6770,7 @@
           <a:p>
             <a:pPr lvl="0"/>
             <a:r>
-              <a:rPr lang="en-US" smtClean="0"/>
+              <a:rPr lang="en-US"/>
               <a:t>Click to edit Master text styles</a:t>
             </a:r>
           </a:p>
@@ -6793,7 +6793,7 @@
           <a:p>
             <a:fld id="{48A87A34-81AB-432B-8DAE-1953F412C126}" type="datetimeFigureOut">
               <a:rPr lang="en-US" dirty="0"/>
-              <a:t>3/3/2020</a:t>
+              <a:t>3/4/2020</a:t>
             </a:fld>
             <a:endParaRPr lang="en-US" dirty="0"/>
           </a:p>
@@ -6882,7 +6882,7 @@
           <a:lstStyle/>
           <a:p>
             <a:r>
-              <a:rPr lang="en-US" smtClean="0"/>
+              <a:rPr lang="en-US"/>
               <a:t>Click to edit Master title style</a:t>
             </a:r>
             <a:endParaRPr lang="en-US" dirty="0"/>
@@ -6906,35 +6906,35 @@
           <a:p>
             <a:pPr lvl="0"/>
             <a:r>
-              <a:rPr lang="en-US" smtClean="0"/>
+              <a:rPr lang="en-US"/>
               <a:t>Click to edit Master text styles</a:t>
             </a:r>
           </a:p>
           <a:p>
             <a:pPr lvl="1"/>
             <a:r>
-              <a:rPr lang="en-US" smtClean="0"/>
+              <a:rPr lang="en-US"/>
               <a:t>Second level</a:t>
             </a:r>
           </a:p>
           <a:p>
             <a:pPr lvl="2"/>
             <a:r>
-              <a:rPr lang="en-US" smtClean="0"/>
+              <a:rPr lang="en-US"/>
               <a:t>Third level</a:t>
             </a:r>
           </a:p>
           <a:p>
             <a:pPr lvl="3"/>
             <a:r>
-              <a:rPr lang="en-US" smtClean="0"/>
+              <a:rPr lang="en-US"/>
               <a:t>Fourth level</a:t>
             </a:r>
           </a:p>
           <a:p>
             <a:pPr lvl="4"/>
             <a:r>
-              <a:rPr lang="en-US" smtClean="0"/>
+              <a:rPr lang="en-US"/>
               <a:t>Fifth level</a:t>
             </a:r>
             <a:endParaRPr lang="en-US" dirty="0"/>
@@ -6958,7 +6958,7 @@
           <a:p>
             <a:fld id="{48A87A34-81AB-432B-8DAE-1953F412C126}" type="datetimeFigureOut">
               <a:rPr lang="en-US" dirty="0"/>
-              <a:t>3/3/2020</a:t>
+              <a:t>3/4/2020</a:t>
             </a:fld>
             <a:endParaRPr lang="en-US" dirty="0"/>
           </a:p>
@@ -7052,7 +7052,7 @@
           <a:lstStyle/>
           <a:p>
             <a:r>
-              <a:rPr lang="en-US" smtClean="0"/>
+              <a:rPr lang="en-US"/>
               <a:t>Click to edit Master title style</a:t>
             </a:r>
             <a:endParaRPr lang="en-US" dirty="0"/>
@@ -7081,35 +7081,35 @@
           <a:p>
             <a:pPr lvl="0"/>
             <a:r>
-              <a:rPr lang="en-US" smtClean="0"/>
+              <a:rPr lang="en-US"/>
               <a:t>Click to edit Master text styles</a:t>
             </a:r>
           </a:p>
           <a:p>
             <a:pPr lvl="1"/>
             <a:r>
-              <a:rPr lang="en-US" smtClean="0"/>
+              <a:rPr lang="en-US"/>
               <a:t>Second level</a:t>
             </a:r>
           </a:p>
           <a:p>
             <a:pPr lvl="2"/>
             <a:r>
-              <a:rPr lang="en-US" smtClean="0"/>
+              <a:rPr lang="en-US"/>
               <a:t>Third level</a:t>
             </a:r>
           </a:p>
           <a:p>
             <a:pPr lvl="3"/>
             <a:r>
-              <a:rPr lang="en-US" smtClean="0"/>
+              <a:rPr lang="en-US"/>
               <a:t>Fourth level</a:t>
             </a:r>
           </a:p>
           <a:p>
             <a:pPr lvl="4"/>
             <a:r>
-              <a:rPr lang="en-US" smtClean="0"/>
+              <a:rPr lang="en-US"/>
               <a:t>Fifth level</a:t>
             </a:r>
             <a:endParaRPr lang="en-US" dirty="0"/>
@@ -7133,7 +7133,7 @@
           <a:p>
             <a:fld id="{48A87A34-81AB-432B-8DAE-1953F412C126}" type="datetimeFigureOut">
               <a:rPr lang="en-US" dirty="0"/>
-              <a:t>3/3/2020</a:t>
+              <a:t>3/4/2020</a:t>
             </a:fld>
             <a:endParaRPr lang="en-US" dirty="0"/>
           </a:p>
@@ -7222,7 +7222,7 @@
           <a:lstStyle/>
           <a:p>
             <a:r>
-              <a:rPr lang="en-US" smtClean="0"/>
+              <a:rPr lang="en-US"/>
               <a:t>Click to edit Master title style</a:t>
             </a:r>
             <a:endParaRPr lang="en-US" dirty="0"/>
@@ -7246,35 +7246,35 @@
           <a:p>
             <a:pPr lvl="0"/>
             <a:r>
-              <a:rPr lang="en-US" smtClean="0"/>
+              <a:rPr lang="en-US"/>
               <a:t>Click to edit Master text styles</a:t>
             </a:r>
           </a:p>
           <a:p>
             <a:pPr lvl="1"/>
             <a:r>
-              <a:rPr lang="en-US" smtClean="0"/>
+              <a:rPr lang="en-US"/>
               <a:t>Second level</a:t>
             </a:r>
           </a:p>
           <a:p>
             <a:pPr lvl="2"/>
             <a:r>
-              <a:rPr lang="en-US" smtClean="0"/>
+              <a:rPr lang="en-US"/>
               <a:t>Third level</a:t>
             </a:r>
           </a:p>
           <a:p>
             <a:pPr lvl="3"/>
             <a:r>
-              <a:rPr lang="en-US" smtClean="0"/>
+              <a:rPr lang="en-US"/>
               <a:t>Fourth level</a:t>
             </a:r>
           </a:p>
           <a:p>
             <a:pPr lvl="4"/>
             <a:r>
-              <a:rPr lang="en-US" smtClean="0"/>
+              <a:rPr lang="en-US"/>
               <a:t>Fifth level</a:t>
             </a:r>
             <a:endParaRPr lang="en-US" dirty="0"/>
@@ -7298,7 +7298,7 @@
           <a:p>
             <a:fld id="{48A87A34-81AB-432B-8DAE-1953F412C126}" type="datetimeFigureOut">
               <a:rPr lang="en-US" dirty="0"/>
-              <a:t>3/3/2020</a:t>
+              <a:t>3/4/2020</a:t>
             </a:fld>
             <a:endParaRPr lang="en-US" dirty="0"/>
           </a:p>
@@ -7398,7 +7398,7 @@
           </a:lstStyle>
           <a:p>
             <a:r>
-              <a:rPr lang="en-US" smtClean="0"/>
+              <a:rPr lang="en-US"/>
               <a:t>Click to edit Master title style</a:t>
             </a:r>
             <a:endParaRPr lang="en-US" dirty="0"/>
@@ -7520,7 +7520,7 @@
           <a:p>
             <a:pPr lvl="0"/>
             <a:r>
-              <a:rPr lang="en-US" smtClean="0"/>
+              <a:rPr lang="en-US"/>
               <a:t>Click to edit Master text styles</a:t>
             </a:r>
           </a:p>
@@ -7543,7 +7543,7 @@
           <a:p>
             <a:fld id="{48A87A34-81AB-432B-8DAE-1953F412C126}" type="datetimeFigureOut">
               <a:rPr lang="en-US" dirty="0"/>
-              <a:t>3/3/2020</a:t>
+              <a:t>3/4/2020</a:t>
             </a:fld>
             <a:endParaRPr lang="en-US" dirty="0"/>
           </a:p>
@@ -7632,7 +7632,7 @@
           <a:lstStyle/>
           <a:p>
             <a:r>
-              <a:rPr lang="en-US" smtClean="0"/>
+              <a:rPr lang="en-US"/>
               <a:t>Click to edit Master title style</a:t>
             </a:r>
             <a:endParaRPr lang="en-US" dirty="0"/>
@@ -7661,35 +7661,35 @@
           <a:p>
             <a:pPr lvl="0"/>
             <a:r>
-              <a:rPr lang="en-US" smtClean="0"/>
+              <a:rPr lang="en-US"/>
               <a:t>Click to edit Master text styles</a:t>
             </a:r>
           </a:p>
           <a:p>
             <a:pPr lvl="1"/>
             <a:r>
-              <a:rPr lang="en-US" smtClean="0"/>
+              <a:rPr lang="en-US"/>
               <a:t>Second level</a:t>
             </a:r>
           </a:p>
           <a:p>
             <a:pPr lvl="2"/>
             <a:r>
-              <a:rPr lang="en-US" smtClean="0"/>
+              <a:rPr lang="en-US"/>
               <a:t>Third level</a:t>
             </a:r>
           </a:p>
           <a:p>
             <a:pPr lvl="3"/>
             <a:r>
-              <a:rPr lang="en-US" smtClean="0"/>
+              <a:rPr lang="en-US"/>
               <a:t>Fourth level</a:t>
             </a:r>
           </a:p>
           <a:p>
             <a:pPr lvl="4"/>
             <a:r>
-              <a:rPr lang="en-US" smtClean="0"/>
+              <a:rPr lang="en-US"/>
               <a:t>Fifth level</a:t>
             </a:r>
             <a:endParaRPr lang="en-US" dirty="0"/>
@@ -7718,35 +7718,35 @@
           <a:p>
             <a:pPr lvl="0"/>
             <a:r>
-              <a:rPr lang="en-US" smtClean="0"/>
+              <a:rPr lang="en-US"/>
               <a:t>Click to edit Master text styles</a:t>
             </a:r>
           </a:p>
           <a:p>
             <a:pPr lvl="1"/>
             <a:r>
-              <a:rPr lang="en-US" smtClean="0"/>
+              <a:rPr lang="en-US"/>
               <a:t>Second level</a:t>
             </a:r>
           </a:p>
           <a:p>
             <a:pPr lvl="2"/>
             <a:r>
-              <a:rPr lang="en-US" smtClean="0"/>
+              <a:rPr lang="en-US"/>
               <a:t>Third level</a:t>
             </a:r>
           </a:p>
           <a:p>
             <a:pPr lvl="3"/>
             <a:r>
-              <a:rPr lang="en-US" smtClean="0"/>
+              <a:rPr lang="en-US"/>
               <a:t>Fourth level</a:t>
             </a:r>
           </a:p>
           <a:p>
             <a:pPr lvl="4"/>
             <a:r>
-              <a:rPr lang="en-US" smtClean="0"/>
+              <a:rPr lang="en-US"/>
               <a:t>Fifth level</a:t>
             </a:r>
             <a:endParaRPr lang="en-US" dirty="0"/>
@@ -7770,7 +7770,7 @@
           <a:p>
             <a:fld id="{48A87A34-81AB-432B-8DAE-1953F412C126}" type="datetimeFigureOut">
               <a:rPr lang="en-US" dirty="0"/>
-              <a:t>3/3/2020</a:t>
+              <a:t>3/4/2020</a:t>
             </a:fld>
             <a:endParaRPr lang="en-US" dirty="0"/>
           </a:p>
@@ -7864,7 +7864,7 @@
           <a:lstStyle/>
           <a:p>
             <a:r>
-              <a:rPr lang="en-US" smtClean="0"/>
+              <a:rPr lang="en-US"/>
               <a:t>Click to edit Master title style</a:t>
             </a:r>
             <a:endParaRPr lang="en-US" dirty="0"/>
@@ -7937,7 +7937,7 @@
           <a:p>
             <a:pPr lvl="0"/>
             <a:r>
-              <a:rPr lang="en-US" smtClean="0"/>
+              <a:rPr lang="en-US"/>
               <a:t>Click to edit Master text styles</a:t>
             </a:r>
           </a:p>
@@ -7965,35 +7965,35 @@
           <a:p>
             <a:pPr lvl="0"/>
             <a:r>
-              <a:rPr lang="en-US" smtClean="0"/>
+              <a:rPr lang="en-US"/>
               <a:t>Click to edit Master text styles</a:t>
             </a:r>
           </a:p>
           <a:p>
             <a:pPr lvl="1"/>
             <a:r>
-              <a:rPr lang="en-US" smtClean="0"/>
+              <a:rPr lang="en-US"/>
               <a:t>Second level</a:t>
             </a:r>
           </a:p>
           <a:p>
             <a:pPr lvl="2"/>
             <a:r>
-              <a:rPr lang="en-US" smtClean="0"/>
+              <a:rPr lang="en-US"/>
               <a:t>Third level</a:t>
             </a:r>
           </a:p>
           <a:p>
             <a:pPr lvl="3"/>
             <a:r>
-              <a:rPr lang="en-US" smtClean="0"/>
+              <a:rPr lang="en-US"/>
               <a:t>Fourth level</a:t>
             </a:r>
           </a:p>
           <a:p>
             <a:pPr lvl="4"/>
             <a:r>
-              <a:rPr lang="en-US" smtClean="0"/>
+              <a:rPr lang="en-US"/>
               <a:t>Fifth level</a:t>
             </a:r>
             <a:endParaRPr lang="en-US" dirty="0"/>
@@ -8066,7 +8066,7 @@
           <a:p>
             <a:pPr lvl="0"/>
             <a:r>
-              <a:rPr lang="en-US" smtClean="0"/>
+              <a:rPr lang="en-US"/>
               <a:t>Click to edit Master text styles</a:t>
             </a:r>
           </a:p>
@@ -8094,35 +8094,35 @@
           <a:p>
             <a:pPr lvl="0"/>
             <a:r>
-              <a:rPr lang="en-US" smtClean="0"/>
+              <a:rPr lang="en-US"/>
               <a:t>Click to edit Master text styles</a:t>
             </a:r>
           </a:p>
           <a:p>
             <a:pPr lvl="1"/>
             <a:r>
-              <a:rPr lang="en-US" smtClean="0"/>
+              <a:rPr lang="en-US"/>
               <a:t>Second level</a:t>
             </a:r>
           </a:p>
           <a:p>
             <a:pPr lvl="2"/>
             <a:r>
-              <a:rPr lang="en-US" smtClean="0"/>
+              <a:rPr lang="en-US"/>
               <a:t>Third level</a:t>
             </a:r>
           </a:p>
           <a:p>
             <a:pPr lvl="3"/>
             <a:r>
-              <a:rPr lang="en-US" smtClean="0"/>
+              <a:rPr lang="en-US"/>
               <a:t>Fourth level</a:t>
             </a:r>
           </a:p>
           <a:p>
             <a:pPr lvl="4"/>
             <a:r>
-              <a:rPr lang="en-US" smtClean="0"/>
+              <a:rPr lang="en-US"/>
               <a:t>Fifth level</a:t>
             </a:r>
             <a:endParaRPr lang="en-US" dirty="0"/>
@@ -8146,7 +8146,7 @@
           <a:p>
             <a:fld id="{48A87A34-81AB-432B-8DAE-1953F412C126}" type="datetimeFigureOut">
               <a:rPr lang="en-US" dirty="0"/>
-              <a:t>3/3/2020</a:t>
+              <a:t>3/4/2020</a:t>
             </a:fld>
             <a:endParaRPr lang="en-US" dirty="0"/>
           </a:p>
@@ -8235,7 +8235,7 @@
           <a:lstStyle/>
           <a:p>
             <a:r>
-              <a:rPr lang="en-US" smtClean="0"/>
+              <a:rPr lang="en-US"/>
               <a:t>Click to edit Master title style</a:t>
             </a:r>
             <a:endParaRPr lang="en-US" dirty="0"/>
@@ -8259,7 +8259,7 @@
           <a:p>
             <a:fld id="{48A87A34-81AB-432B-8DAE-1953F412C126}" type="datetimeFigureOut">
               <a:rPr lang="en-US" dirty="0"/>
-              <a:t>3/3/2020</a:t>
+              <a:t>3/4/2020</a:t>
             </a:fld>
             <a:endParaRPr lang="en-US" dirty="0"/>
           </a:p>
@@ -8349,7 +8349,7 @@
           <a:p>
             <a:fld id="{48A87A34-81AB-432B-8DAE-1953F412C126}" type="datetimeFigureOut">
               <a:rPr lang="en-US" dirty="0"/>
-              <a:t>3/3/2020</a:t>
+              <a:t>3/4/2020</a:t>
             </a:fld>
             <a:endParaRPr lang="en-US" dirty="0"/>
           </a:p>
@@ -8447,7 +8447,7 @@
           </a:lstStyle>
           <a:p>
             <a:r>
-              <a:rPr lang="en-US" smtClean="0"/>
+              <a:rPr lang="en-US"/>
               <a:t>Click to edit Master title style</a:t>
             </a:r>
             <a:endParaRPr lang="en-US" dirty="0"/>
@@ -8476,35 +8476,35 @@
           <a:p>
             <a:pPr lvl="0"/>
             <a:r>
-              <a:rPr lang="en-US" smtClean="0"/>
+              <a:rPr lang="en-US"/>
               <a:t>Click to edit Master text styles</a:t>
             </a:r>
           </a:p>
           <a:p>
             <a:pPr lvl="1"/>
             <a:r>
-              <a:rPr lang="en-US" smtClean="0"/>
+              <a:rPr lang="en-US"/>
               <a:t>Second level</a:t>
             </a:r>
           </a:p>
           <a:p>
             <a:pPr lvl="2"/>
             <a:r>
-              <a:rPr lang="en-US" smtClean="0"/>
+              <a:rPr lang="en-US"/>
               <a:t>Third level</a:t>
             </a:r>
           </a:p>
           <a:p>
             <a:pPr lvl="3"/>
             <a:r>
-              <a:rPr lang="en-US" smtClean="0"/>
+              <a:rPr lang="en-US"/>
               <a:t>Fourth level</a:t>
             </a:r>
           </a:p>
           <a:p>
             <a:pPr lvl="4"/>
             <a:r>
-              <a:rPr lang="en-US" smtClean="0"/>
+              <a:rPr lang="en-US"/>
               <a:t>Fifth level</a:t>
             </a:r>
             <a:endParaRPr lang="en-US" dirty="0"/>
@@ -8570,7 +8570,7 @@
           <a:p>
             <a:pPr lvl="0"/>
             <a:r>
-              <a:rPr lang="en-US" smtClean="0"/>
+              <a:rPr lang="en-US"/>
               <a:t>Click to edit Master text styles</a:t>
             </a:r>
           </a:p>
@@ -8593,7 +8593,7 @@
           <a:p>
             <a:fld id="{48A87A34-81AB-432B-8DAE-1953F412C126}" type="datetimeFigureOut">
               <a:rPr lang="en-US" dirty="0"/>
-              <a:t>3/3/2020</a:t>
+              <a:t>3/4/2020</a:t>
             </a:fld>
             <a:endParaRPr lang="en-US" dirty="0"/>
           </a:p>
@@ -8691,7 +8691,7 @@
           </a:lstStyle>
           <a:p>
             <a:r>
-              <a:rPr lang="en-US" smtClean="0"/>
+              <a:rPr lang="en-US"/>
               <a:t>Click to edit Master title style</a:t>
             </a:r>
             <a:endParaRPr lang="en-US" dirty="0"/>
@@ -8779,7 +8779,7 @@
           </a:lstStyle>
           <a:p>
             <a:r>
-              <a:rPr lang="en-US" smtClean="0"/>
+              <a:rPr lang="en-US"/>
               <a:t>Click icon to add picture</a:t>
             </a:r>
             <a:endParaRPr lang="en-US" dirty="0"/>
@@ -8845,7 +8845,7 @@
           <a:p>
             <a:pPr lvl="0"/>
             <a:r>
-              <a:rPr lang="en-US" smtClean="0"/>
+              <a:rPr lang="en-US"/>
               <a:t>Click to edit Master text styles</a:t>
             </a:r>
           </a:p>
@@ -8868,7 +8868,7 @@
           <a:p>
             <a:fld id="{48A87A34-81AB-432B-8DAE-1953F412C126}" type="datetimeFigureOut">
               <a:rPr lang="en-US" dirty="0"/>
-              <a:t>3/3/2020</a:t>
+              <a:t>3/4/2020</a:t>
             </a:fld>
             <a:endParaRPr lang="en-US" dirty="0"/>
           </a:p>
@@ -11870,35 +11870,35 @@
           <a:p>
             <a:pPr lvl="0"/>
             <a:r>
-              <a:rPr lang="en-US" smtClean="0"/>
+              <a:rPr lang="en-US"/>
               <a:t>Click to edit Master text styles</a:t>
             </a:r>
           </a:p>
           <a:p>
             <a:pPr lvl="1"/>
             <a:r>
-              <a:rPr lang="en-US" smtClean="0"/>
+              <a:rPr lang="en-US"/>
               <a:t>Second level</a:t>
             </a:r>
           </a:p>
           <a:p>
             <a:pPr lvl="2"/>
             <a:r>
-              <a:rPr lang="en-US" smtClean="0"/>
+              <a:rPr lang="en-US"/>
               <a:t>Third level</a:t>
             </a:r>
           </a:p>
           <a:p>
             <a:pPr lvl="3"/>
             <a:r>
-              <a:rPr lang="en-US" smtClean="0"/>
+              <a:rPr lang="en-US"/>
               <a:t>Fourth level</a:t>
             </a:r>
           </a:p>
           <a:p>
             <a:pPr lvl="4"/>
             <a:r>
-              <a:rPr lang="en-US" smtClean="0"/>
+              <a:rPr lang="en-US"/>
               <a:t>Fifth level</a:t>
             </a:r>
             <a:endParaRPr lang="en-US" dirty="0"/>
@@ -11941,7 +11941,7 @@
             <a:fld id="{48A87A34-81AB-432B-8DAE-1953F412C126}" type="datetimeFigureOut">
               <a:rPr lang="en-US" dirty="0"/>
               <a:pPr/>
-              <a:t>3/3/2020</a:t>
+              <a:t>3/4/2020</a:t>
             </a:fld>
             <a:endParaRPr lang="en-US" dirty="0"/>
           </a:p>
@@ -12374,10 +12374,9 @@
           <a:p>
             <a:pPr algn="ctr"/>
             <a:r>
-              <a:rPr lang="en-US" dirty="0" smtClean="0"/>
+              <a:rPr lang="en-US" dirty="0"/>
               <a:t>C++ Genie</a:t>
             </a:r>
-            <a:endParaRPr lang="en-US" dirty="0"/>
           </a:p>
         </p:txBody>
       </p:sp>
@@ -12400,10 +12399,68 @@
           <a:p>
             <a:pPr algn="ctr"/>
             <a:r>
-              <a:rPr lang="en-US" sz="3200" dirty="0" smtClean="0"/>
+              <a:rPr lang="en-US" sz="3200" dirty="0"/>
               <a:t>LOCAL STORAGE SYSTEM</a:t>
             </a:r>
-            <a:endParaRPr lang="en-US" sz="3200" dirty="0"/>
+          </a:p>
+        </p:txBody>
+      </p:sp>
+      <p:sp>
+        <p:nvSpPr>
+          <p:cNvPr id="5" name="TextBox 4">
+            <a:extLst>
+              <a:ext uri="{FF2B5EF4-FFF2-40B4-BE49-F238E27FC236}">
+                <a16:creationId xmlns:a16="http://schemas.microsoft.com/office/drawing/2014/main" id="{E467CEB8-5599-4063-BA9A-1A56EA4C69BE}"/>
+              </a:ext>
+            </a:extLst>
+          </p:cNvPr>
+          <p:cNvSpPr txBox="1"/>
+          <p:nvPr/>
+        </p:nvSpPr>
+        <p:spPr>
+          <a:xfrm>
+            <a:off x="4601592" y="4429919"/>
+            <a:ext cx="4317506" cy="1107996"/>
+          </a:xfrm>
+          <a:prstGeom prst="rect">
+            <a:avLst/>
+          </a:prstGeom>
+          <a:noFill/>
+        </p:spPr>
+        <p:txBody>
+          <a:bodyPr wrap="square" rtlCol="0">
+            <a:spAutoFit/>
+          </a:bodyPr>
+          <a:lstStyle/>
+          <a:p>
+            <a:pPr marL="285750" indent="-285750">
+              <a:buFont typeface="Wingdings" panose="05000000000000000000" pitchFamily="2" charset="2"/>
+              <a:buChar char="Ø"/>
+            </a:pPr>
+            <a:r>
+              <a:rPr lang="en-US" sz="2200" dirty="0"/>
+              <a:t>Nikesh D.C. (075BCT052)</a:t>
+            </a:r>
+          </a:p>
+          <a:p>
+            <a:pPr marL="285750" indent="-285750">
+              <a:buFont typeface="Wingdings" panose="05000000000000000000" pitchFamily="2" charset="2"/>
+              <a:buChar char="Ø"/>
+            </a:pPr>
+            <a:r>
+              <a:rPr lang="en-US" sz="2200" dirty="0"/>
+              <a:t>Ravi Pandey (075BCT065)</a:t>
+            </a:r>
+          </a:p>
+          <a:p>
+            <a:pPr marL="285750" indent="-285750">
+              <a:buFont typeface="Wingdings" panose="05000000000000000000" pitchFamily="2" charset="2"/>
+              <a:buChar char="Ø"/>
+            </a:pPr>
+            <a:r>
+              <a:rPr lang="en-US" sz="2200" dirty="0"/>
+              <a:t>Rohan Chhetry (075BCT066)</a:t>
+            </a:r>
           </a:p>
         </p:txBody>
       </p:sp>
@@ -12417,13 +12474,6 @@
   <p:clrMapOvr>
     <a:masterClrMapping/>
   </p:clrMapOvr>
-  <p:timing>
-    <p:tnLst>
-      <p:par>
-        <p:cTn id="1" dur="indefinite" restart="never" nodeType="tmRoot"/>
-      </p:par>
-    </p:tnLst>
-  </p:timing>
 </p:sld>
 </file>
 
@@ -12468,21 +12518,17 @@
           <a:p>
             <a:pPr algn="ctr"/>
             <a:r>
-              <a:rPr lang="en-US" sz="6000" dirty="0" smtClean="0"/>
+              <a:rPr lang="en-US" sz="6000" dirty="0"/>
               <a:t>Thank you!!</a:t>
             </a:r>
             <a:br>
-              <a:rPr lang="en-US" sz="6000" dirty="0" smtClean="0"/>
+              <a:rPr lang="en-US" sz="6000" dirty="0"/>
+            </a:br>
+            <a:br>
+              <a:rPr lang="en-US" sz="6000" dirty="0"/>
             </a:br>
             <a:r>
-              <a:rPr lang="en-US" sz="6000" dirty="0" smtClean="0"/>
-              <a:t/>
-            </a:r>
-            <a:br>
-              <a:rPr lang="en-US" sz="6000" dirty="0" smtClean="0"/>
-            </a:br>
-            <a:r>
-              <a:rPr lang="en-US" sz="6000" smtClean="0"/>
+              <a:rPr lang="en-US" sz="6000"/>
               <a:t>Any questions</a:t>
             </a:r>
             <a:endParaRPr lang="en-US" sz="6000" dirty="0"/>
@@ -12499,13 +12545,6 @@
   <p:clrMapOvr>
     <a:masterClrMapping/>
   </p:clrMapOvr>
-  <p:timing>
-    <p:tnLst>
-      <p:par>
-        <p:cTn id="1" dur="indefinite" restart="never" nodeType="tmRoot"/>
-      </p:par>
-    </p:tnLst>
-  </p:timing>
 </p:sld>
 </file>
 
@@ -12542,10 +12581,9 @@
           <a:lstStyle/>
           <a:p>
             <a:r>
-              <a:rPr lang="en-US" dirty="0" smtClean="0"/>
+              <a:rPr lang="en-US" dirty="0"/>
               <a:t> INTRODUCTION</a:t>
             </a:r>
-            <a:endParaRPr lang="en-US" dirty="0"/>
           </a:p>
         </p:txBody>
       </p:sp>
@@ -12565,34 +12603,33 @@
           <a:lstStyle/>
           <a:p>
             <a:r>
-              <a:rPr lang="en-US" dirty="0" smtClean="0"/>
+              <a:rPr lang="en-US" dirty="0"/>
               <a:t>C++ Genie is a local storage system</a:t>
             </a:r>
           </a:p>
           <a:p>
             <a:r>
-              <a:rPr lang="en-US" dirty="0" smtClean="0"/>
+              <a:rPr lang="en-US" dirty="0"/>
               <a:t>Its primary feature is that it stores files </a:t>
             </a:r>
           </a:p>
           <a:p>
             <a:r>
-              <a:rPr lang="en-US" dirty="0" smtClean="0"/>
+              <a:rPr lang="en-US" dirty="0"/>
               <a:t>Its is personal for each user</a:t>
             </a:r>
           </a:p>
           <a:p>
             <a:r>
-              <a:rPr lang="en-US" dirty="0" smtClean="0"/>
+              <a:rPr lang="en-US" dirty="0"/>
               <a:t>It also consists of a to-do list</a:t>
             </a:r>
           </a:p>
           <a:p>
             <a:r>
-              <a:rPr lang="en-US" dirty="0" smtClean="0"/>
-              <a:t>Users can also find a clock showing them current time and date</a:t>
+              <a:rPr lang="en-US" dirty="0"/>
+              <a:t>Users can also find a clock showing them current date and time</a:t>
             </a:r>
-            <a:endParaRPr lang="en-US" dirty="0"/>
           </a:p>
         </p:txBody>
       </p:sp>
@@ -12606,13 +12643,6 @@
   <p:clrMapOvr>
     <a:masterClrMapping/>
   </p:clrMapOvr>
-  <p:timing>
-    <p:tnLst>
-      <p:par>
-        <p:cTn id="1" dur="indefinite" restart="never" nodeType="tmRoot"/>
-      </p:par>
-    </p:tnLst>
-  </p:timing>
 </p:sld>
 </file>
 
@@ -12649,10 +12679,9 @@
           <a:lstStyle/>
           <a:p>
             <a:r>
-              <a:rPr lang="en-US" dirty="0" smtClean="0"/>
+              <a:rPr lang="en-US" dirty="0"/>
               <a:t>Features of C++ GENIE</a:t>
             </a:r>
-            <a:endParaRPr lang="en-US" dirty="0"/>
           </a:p>
         </p:txBody>
       </p:sp>
@@ -12672,28 +12701,27 @@
           <a:lstStyle/>
           <a:p>
             <a:r>
-              <a:rPr lang="en-US" dirty="0" smtClean="0"/>
+              <a:rPr lang="en-US" dirty="0"/>
               <a:t>Login feature that ensures privacy for each user</a:t>
             </a:r>
           </a:p>
           <a:p>
             <a:r>
-              <a:rPr lang="en-US" dirty="0" smtClean="0"/>
+              <a:rPr lang="en-US" dirty="0"/>
               <a:t>Search engine and synonym for easy searching words in files</a:t>
             </a:r>
           </a:p>
           <a:p>
             <a:r>
-              <a:rPr lang="en-US" dirty="0" smtClean="0"/>
-              <a:t>A clock to view time and date</a:t>
+              <a:rPr lang="en-US" dirty="0"/>
+              <a:t>A clock to view date and time </a:t>
             </a:r>
           </a:p>
           <a:p>
             <a:r>
-              <a:rPr lang="en-US" dirty="0" smtClean="0"/>
+              <a:rPr lang="en-US" dirty="0"/>
               <a:t>A To-do list for adding tasks to be done</a:t>
             </a:r>
-            <a:endParaRPr lang="en-US" dirty="0"/>
           </a:p>
         </p:txBody>
       </p:sp>
@@ -12707,13 +12735,6 @@
   <p:clrMapOvr>
     <a:masterClrMapping/>
   </p:clrMapOvr>
-  <p:timing>
-    <p:tnLst>
-      <p:par>
-        <p:cTn id="1" dur="indefinite" restart="never" nodeType="tmRoot"/>
-      </p:par>
-    </p:tnLst>
-  </p:timing>
 </p:sld>
 </file>
 
@@ -12755,14 +12776,9 @@
           <a:lstStyle/>
           <a:p>
             <a:r>
-              <a:rPr lang="en-US" dirty="0" smtClean="0"/>
-              <a:t>Login </a:t>
+              <a:rPr lang="en-US" dirty="0"/>
+              <a:t>Login window</a:t>
             </a:r>
-            <a:r>
-              <a:rPr lang="en-US" dirty="0" smtClean="0"/>
-              <a:t>window</a:t>
-            </a:r>
-            <a:endParaRPr lang="en-US" dirty="0"/>
           </a:p>
         </p:txBody>
       </p:sp>
@@ -13223,17 +13239,16 @@
           <a:p>
             <a:pPr algn="ctr"/>
             <a:r>
-              <a:rPr lang="en-US" dirty="0" smtClean="0"/>
-              <a:t>Time and Date</a:t>
+              <a:rPr lang="en-US" dirty="0"/>
+              <a:t>Date and Time</a:t>
             </a:r>
           </a:p>
           <a:p>
             <a:pPr algn="ctr"/>
             <a:r>
-              <a:rPr lang="en-US" dirty="0" smtClean="0"/>
-              <a:t>( clock )</a:t>
+              <a:rPr lang="en-US" dirty="0"/>
+              <a:t> ( clock )</a:t>
             </a:r>
-            <a:endParaRPr lang="en-US" dirty="0"/>
           </a:p>
         </p:txBody>
       </p:sp>
@@ -13278,7 +13293,7 @@
           <a:p>
             <a:pPr algn="ctr"/>
             <a:r>
-              <a:rPr lang="en-US" dirty="0" smtClean="0"/>
+              <a:rPr lang="en-US" dirty="0"/>
               <a:t>Username input</a:t>
             </a:r>
           </a:p>
@@ -13325,7 +13340,7 @@
           <a:p>
             <a:pPr algn="ctr"/>
             <a:r>
-              <a:rPr lang="en-US" dirty="0" smtClean="0"/>
+              <a:rPr lang="en-US" dirty="0"/>
               <a:t>Password input </a:t>
             </a:r>
           </a:p>
@@ -13372,7 +13387,7 @@
           <a:p>
             <a:pPr algn="ctr"/>
             <a:r>
-              <a:rPr lang="en-US" dirty="0" smtClean="0"/>
+              <a:rPr lang="en-US" dirty="0"/>
               <a:t>Exit from program button</a:t>
             </a:r>
           </a:p>
@@ -13419,7 +13434,7 @@
           <a:p>
             <a:pPr algn="ctr"/>
             <a:r>
-              <a:rPr lang="en-US" dirty="0" smtClean="0"/>
+              <a:rPr lang="en-US" dirty="0"/>
               <a:t>Redirect to signup page </a:t>
             </a:r>
           </a:p>
@@ -13466,7 +13481,7 @@
           <a:p>
             <a:pPr algn="ctr"/>
             <a:r>
-              <a:rPr lang="en-US" dirty="0" smtClean="0"/>
+              <a:rPr lang="en-US" dirty="0"/>
               <a:t>Validate login</a:t>
             </a:r>
           </a:p>
@@ -13482,13 +13497,6 @@
   <p:clrMapOvr>
     <a:masterClrMapping/>
   </p:clrMapOvr>
-  <p:timing>
-    <p:tnLst>
-      <p:par>
-        <p:cTn id="1" dur="indefinite" restart="never" nodeType="tmRoot"/>
-      </p:par>
-    </p:tnLst>
-  </p:timing>
 </p:sld>
 </file>
 
@@ -13530,10 +13538,9 @@
           <a:lstStyle/>
           <a:p>
             <a:r>
-              <a:rPr lang="en-US" dirty="0" smtClean="0"/>
+              <a:rPr lang="en-US" dirty="0"/>
               <a:t>Signup window</a:t>
             </a:r>
-            <a:endParaRPr lang="en-US" dirty="0"/>
           </a:p>
         </p:txBody>
       </p:sp>
@@ -13761,7 +13768,7 @@
           <a:p>
             <a:pPr algn="ctr"/>
             <a:r>
-              <a:rPr lang="en-US" dirty="0" smtClean="0"/>
+              <a:rPr lang="en-US" dirty="0"/>
               <a:t>Redirect to login page</a:t>
             </a:r>
           </a:p>
@@ -13808,7 +13815,7 @@
           <a:p>
             <a:pPr algn="ctr"/>
             <a:r>
-              <a:rPr lang="en-US" dirty="0" smtClean="0"/>
+              <a:rPr lang="en-US" dirty="0"/>
               <a:t>Make a new account with given credentials</a:t>
             </a:r>
           </a:p>
@@ -13824,13 +13831,6 @@
   <p:clrMapOvr>
     <a:masterClrMapping/>
   </p:clrMapOvr>
-  <p:timing>
-    <p:tnLst>
-      <p:par>
-        <p:cTn id="1" dur="indefinite" restart="never" nodeType="tmRoot"/>
-      </p:par>
-    </p:tnLst>
-  </p:timing>
 </p:sld>
 </file>
 
@@ -13872,10 +13872,9 @@
           <a:lstStyle/>
           <a:p>
             <a:r>
-              <a:rPr lang="en-US" dirty="0" smtClean="0"/>
+              <a:rPr lang="en-US" dirty="0"/>
               <a:t>File window</a:t>
             </a:r>
-            <a:endParaRPr lang="en-US" dirty="0"/>
           </a:p>
         </p:txBody>
       </p:sp>
@@ -14642,10 +14641,9 @@
           <a:p>
             <a:pPr algn="ctr"/>
             <a:r>
-              <a:rPr lang="en-US" dirty="0" smtClean="0"/>
+              <a:rPr lang="en-US" dirty="0"/>
               <a:t>Hi, username</a:t>
             </a:r>
-            <a:endParaRPr lang="en-US" dirty="0"/>
           </a:p>
         </p:txBody>
       </p:sp>
@@ -14690,10 +14688,9 @@
           <a:p>
             <a:pPr algn="ctr"/>
             <a:r>
-              <a:rPr lang="en-US" dirty="0" smtClean="0"/>
+              <a:rPr lang="en-US" dirty="0"/>
               <a:t>Search engine textbox</a:t>
             </a:r>
-            <a:endParaRPr lang="en-US" dirty="0"/>
           </a:p>
         </p:txBody>
       </p:sp>
@@ -14738,10 +14735,9 @@
           <a:p>
             <a:pPr algn="ctr"/>
             <a:r>
-              <a:rPr lang="en-US" dirty="0" smtClean="0"/>
+              <a:rPr lang="en-US" dirty="0"/>
               <a:t>Files of user</a:t>
             </a:r>
-            <a:endParaRPr lang="en-US" dirty="0"/>
           </a:p>
         </p:txBody>
       </p:sp>
@@ -14786,10 +14782,9 @@
           <a:p>
             <a:pPr algn="ctr"/>
             <a:r>
-              <a:rPr lang="en-US" dirty="0" smtClean="0"/>
+              <a:rPr lang="en-US" dirty="0"/>
               <a:t>Search engine result</a:t>
             </a:r>
-            <a:endParaRPr lang="en-US" dirty="0"/>
           </a:p>
         </p:txBody>
       </p:sp>
@@ -14834,10 +14829,9 @@
           <a:p>
             <a:pPr algn="ctr"/>
             <a:r>
-              <a:rPr lang="en-US" dirty="0" smtClean="0"/>
+              <a:rPr lang="en-US" dirty="0"/>
               <a:t>User Logout </a:t>
             </a:r>
-            <a:endParaRPr lang="en-US" dirty="0"/>
           </a:p>
         </p:txBody>
       </p:sp>
@@ -14882,10 +14876,9 @@
           <a:p>
             <a:pPr algn="ctr"/>
             <a:r>
-              <a:rPr lang="en-US" dirty="0" smtClean="0"/>
+              <a:rPr lang="en-US" dirty="0"/>
               <a:t>Redirect to to-do list page</a:t>
             </a:r>
-            <a:endParaRPr lang="en-US" dirty="0"/>
           </a:p>
         </p:txBody>
       </p:sp>
@@ -14930,10 +14923,9 @@
           <a:p>
             <a:pPr algn="ctr"/>
             <a:r>
-              <a:rPr lang="en-US" dirty="0" smtClean="0"/>
+              <a:rPr lang="en-US" dirty="0"/>
               <a:t>Search engine performs search</a:t>
             </a:r>
-            <a:endParaRPr lang="en-US" dirty="0"/>
           </a:p>
         </p:txBody>
       </p:sp>
@@ -14978,10 +14970,9 @@
           <a:p>
             <a:pPr algn="ctr"/>
             <a:r>
-              <a:rPr lang="en-US" dirty="0" smtClean="0"/>
+              <a:rPr lang="en-US" dirty="0"/>
               <a:t>Adds the synonym</a:t>
             </a:r>
-            <a:endParaRPr lang="en-US" dirty="0"/>
           </a:p>
         </p:txBody>
       </p:sp>
@@ -15026,17 +15017,16 @@
           <a:p>
             <a:pPr algn="ctr"/>
             <a:r>
-              <a:rPr lang="en-US" dirty="0" smtClean="0"/>
+              <a:rPr lang="en-US" dirty="0"/>
               <a:t>Synonym</a:t>
             </a:r>
           </a:p>
           <a:p>
             <a:pPr algn="ctr"/>
             <a:r>
-              <a:rPr lang="en-US" dirty="0" smtClean="0"/>
+              <a:rPr lang="en-US" dirty="0"/>
               <a:t>textboxes</a:t>
             </a:r>
-            <a:endParaRPr lang="en-US" dirty="0"/>
           </a:p>
         </p:txBody>
       </p:sp>
@@ -15050,13 +15040,6 @@
   <p:clrMapOvr>
     <a:masterClrMapping/>
   </p:clrMapOvr>
-  <p:timing>
-    <p:tnLst>
-      <p:par>
-        <p:cTn id="1" dur="indefinite" restart="never" nodeType="tmRoot"/>
-      </p:par>
-    </p:tnLst>
-  </p:timing>
 </p:sld>
 </file>
 
@@ -15098,10 +15081,9 @@
           <a:lstStyle/>
           <a:p>
             <a:r>
-              <a:rPr lang="en-US" dirty="0" smtClean="0"/>
+              <a:rPr lang="en-US" dirty="0"/>
               <a:t>To-do window</a:t>
             </a:r>
-            <a:endParaRPr lang="en-US" dirty="0"/>
           </a:p>
         </p:txBody>
       </p:sp>
@@ -15632,10 +15614,9 @@
           <a:p>
             <a:pPr algn="ctr"/>
             <a:r>
-              <a:rPr lang="en-US" dirty="0" smtClean="0"/>
+              <a:rPr lang="en-US" dirty="0"/>
               <a:t>Delete done task </a:t>
             </a:r>
-            <a:endParaRPr lang="en-US" dirty="0"/>
           </a:p>
         </p:txBody>
       </p:sp>
@@ -15680,10 +15661,9 @@
           <a:p>
             <a:pPr algn="ctr"/>
             <a:r>
-              <a:rPr lang="en-US" dirty="0" smtClean="0"/>
+              <a:rPr lang="en-US" dirty="0"/>
               <a:t>Adds to-do task </a:t>
             </a:r>
-            <a:endParaRPr lang="en-US" dirty="0"/>
           </a:p>
         </p:txBody>
       </p:sp>
@@ -15728,10 +15708,9 @@
           <a:p>
             <a:pPr algn="ctr"/>
             <a:r>
-              <a:rPr lang="en-US" dirty="0" smtClean="0"/>
+              <a:rPr lang="en-US" dirty="0"/>
               <a:t>Redirect to file window </a:t>
             </a:r>
-            <a:endParaRPr lang="en-US" dirty="0"/>
           </a:p>
         </p:txBody>
       </p:sp>
@@ -15776,10 +15755,9 @@
           <a:p>
             <a:pPr algn="ctr"/>
             <a:r>
-              <a:rPr lang="en-US" dirty="0" smtClean="0"/>
+              <a:rPr lang="en-US" dirty="0"/>
               <a:t>Tasks display </a:t>
             </a:r>
-            <a:endParaRPr lang="en-US" dirty="0"/>
           </a:p>
         </p:txBody>
       </p:sp>
@@ -15824,10 +15802,9 @@
           <a:p>
             <a:pPr algn="ctr"/>
             <a:r>
-              <a:rPr lang="en-US" dirty="0" smtClean="0"/>
+              <a:rPr lang="en-US" dirty="0"/>
               <a:t>Due date display </a:t>
             </a:r>
-            <a:endParaRPr lang="en-US" dirty="0"/>
           </a:p>
         </p:txBody>
       </p:sp>
@@ -15872,10 +15849,9 @@
           <a:p>
             <a:pPr algn="ctr"/>
             <a:r>
-              <a:rPr lang="en-US" dirty="0" smtClean="0"/>
+              <a:rPr lang="en-US" dirty="0"/>
               <a:t>Tasks textbox</a:t>
             </a:r>
-            <a:endParaRPr lang="en-US" dirty="0"/>
           </a:p>
         </p:txBody>
       </p:sp>
@@ -15920,10 +15896,9 @@
           <a:p>
             <a:pPr algn="ctr"/>
             <a:r>
-              <a:rPr lang="en-US" dirty="0" smtClean="0"/>
+              <a:rPr lang="en-US" dirty="0"/>
               <a:t>Due date textbox</a:t>
             </a:r>
-            <a:endParaRPr lang="en-US" dirty="0"/>
           </a:p>
         </p:txBody>
       </p:sp>
@@ -15937,13 +15912,6 @@
   <p:clrMapOvr>
     <a:masterClrMapping/>
   </p:clrMapOvr>
-  <p:timing>
-    <p:tnLst>
-      <p:par>
-        <p:cTn id="1" dur="indefinite" restart="never" nodeType="tmRoot"/>
-      </p:par>
-    </p:tnLst>
-  </p:timing>
 </p:sld>
 </file>
 
@@ -15980,10 +15948,9 @@
           <a:lstStyle/>
           <a:p>
             <a:r>
-              <a:rPr lang="en-US" dirty="0" smtClean="0"/>
+              <a:rPr lang="en-US" dirty="0"/>
               <a:t>Problems faced</a:t>
             </a:r>
-            <a:endParaRPr lang="en-US" dirty="0"/>
           </a:p>
         </p:txBody>
       </p:sp>
@@ -16003,31 +15970,25 @@
           <a:lstStyle/>
           <a:p>
             <a:r>
-              <a:rPr lang="en-US" dirty="0" smtClean="0"/>
+              <a:rPr lang="en-US" dirty="0"/>
               <a:t>Learning C++ OpenGL (GLUT) library</a:t>
             </a:r>
           </a:p>
           <a:p>
             <a:r>
-              <a:rPr lang="en-US" dirty="0" smtClean="0"/>
-              <a:t>More features of C++ such as directory handling, file handling, </a:t>
+              <a:rPr lang="en-US" dirty="0"/>
+              <a:t>More features of C++ such as directory handling, file handling, etc.</a:t>
             </a:r>
+          </a:p>
+          <a:p>
             <a:r>
-              <a:rPr lang="en-US" dirty="0" err="1" smtClean="0"/>
-              <a:t>etc</a:t>
-            </a:r>
-            <a:endParaRPr lang="en-US" dirty="0" smtClean="0"/>
-          </a:p>
-          <a:p>
-            <a:r>
-              <a:rPr lang="en-US" dirty="0" smtClean="0"/>
+              <a:rPr lang="en-US" dirty="0"/>
               <a:t>Managing work division between group members and merging individual work</a:t>
             </a:r>
-            <a:endParaRPr lang="en-US" dirty="0"/>
           </a:p>
           <a:p>
             <a:r>
-              <a:rPr lang="en-US" dirty="0" smtClean="0"/>
+              <a:rPr lang="en-US" dirty="0"/>
               <a:t>Debugging errors faced</a:t>
             </a:r>
           </a:p>
@@ -16043,13 +16004,6 @@
   <p:clrMapOvr>
     <a:masterClrMapping/>
   </p:clrMapOvr>
-  <p:timing>
-    <p:tnLst>
-      <p:par>
-        <p:cTn id="1" dur="indefinite" restart="never" nodeType="tmRoot"/>
-      </p:par>
-    </p:tnLst>
-  </p:timing>
 </p:sld>
 </file>
 
@@ -16086,10 +16040,9 @@
           <a:lstStyle/>
           <a:p>
             <a:r>
-              <a:rPr lang="en-US" dirty="0" smtClean="0"/>
+              <a:rPr lang="en-US" dirty="0"/>
               <a:t>Conclusion</a:t>
             </a:r>
-            <a:endParaRPr lang="en-US" dirty="0"/>
           </a:p>
         </p:txBody>
       </p:sp>
@@ -16109,22 +16062,21 @@
           <a:lstStyle/>
           <a:p>
             <a:r>
-              <a:rPr lang="en-US" dirty="0" smtClean="0"/>
+              <a:rPr lang="en-US" dirty="0"/>
               <a:t>Main objective (i.e. making a functioning project) in C++ fulfilled</a:t>
             </a:r>
           </a:p>
           <a:p>
             <a:r>
-              <a:rPr lang="en-US" dirty="0" smtClean="0"/>
+              <a:rPr lang="en-US" dirty="0"/>
               <a:t>Learned more features of C++</a:t>
             </a:r>
           </a:p>
           <a:p>
             <a:r>
-              <a:rPr lang="en-US" dirty="0" smtClean="0"/>
+              <a:rPr lang="en-US" dirty="0"/>
               <a:t>Learned how to use OpenGL (GLUT) library</a:t>
             </a:r>
-            <a:endParaRPr lang="en-US" dirty="0"/>
           </a:p>
         </p:txBody>
       </p:sp>
@@ -16138,13 +16090,6 @@
   <p:clrMapOvr>
     <a:masterClrMapping/>
   </p:clrMapOvr>
-  <p:timing>
-    <p:tnLst>
-      <p:par>
-        <p:cTn id="1" dur="indefinite" restart="never" nodeType="tmRoot"/>
-      </p:par>
-    </p:tnLst>
-  </p:timing>
 </p:sld>
 </file>
 
